--- a/doc/demo01_hello/Godot教程的课程内容.pptx
+++ b/doc/demo01_hello/Godot教程的课程内容.pptx
@@ -4167,7 +4167,26 @@
                 <a:effectLst/>
                 <a:latin typeface="Helvetica Neue"/>
               </a:rPr>
-              <a:t>各种编写游戏所需的各种工具，其目的在于让游戏设计者能容易和快速地做出游戏程式而不用由零开始。</a:t>
+              <a:t>各种编写游戏所需的各种工具，其目的在于让游戏设计者能容易和快速地做出游戏</a:t>
+            </a:r>
+            <a:r>
+              <a:rPr lang="zh-CN" altLang="en-US" sz="2000" dirty="0">
+                <a:solidFill>
+                  <a:srgbClr val="333333"/>
+                </a:solidFill>
+                <a:latin typeface="Helvetica Neue"/>
+              </a:rPr>
+              <a:t>程序</a:t>
+            </a:r>
+            <a:r>
+              <a:rPr lang="zh-CN" altLang="en-US" sz="2000" b="0" i="0" dirty="0">
+                <a:solidFill>
+                  <a:srgbClr val="333333"/>
+                </a:solidFill>
+                <a:effectLst/>
+                <a:latin typeface="Helvetica Neue"/>
+              </a:rPr>
+              <a:t>而不用由零开始。</a:t>
             </a:r>
             <a:endParaRPr lang="en-US" altLang="zh-CN" sz="2000" dirty="0">
               <a:latin typeface="+mj-lt"/>
@@ -6171,7 +6190,7 @@
                 <a:cs typeface="Times New Roman" panose="02020603050405020304" pitchFamily="18" charset="0"/>
                 <a:sym typeface="Wingdings" panose="05000000000000000000" pitchFamily="2" charset="2"/>
               </a:rPr>
-              <a:t>属于脚本语言，并不适合当第一门学习</a:t>
+              <a:t>属于脚本语言，并不适合当第一门语言学习</a:t>
             </a:r>
           </a:p>
           <a:p>
